--- a/Les tutoriels de la FFBA_page1.pptx
+++ b/Les tutoriels de la FFBA_page1.pptx
@@ -300,7 +300,7 @@
             <a:fld id="{77F9EBB9-3DB1-464B-8411-81488C3DC3B8}" type="datetimeFigureOut">
               <a:rPr lang="fr-FR" smtClean="0"/>
               <a:pPr/>
-              <a:t>30/11/2020</a:t>
+              <a:t>01/12/2020</a:t>
             </a:fld>
             <a:endParaRPr lang="fr-FR"/>
           </a:p>
@@ -467,7 +467,7 @@
             <a:fld id="{77F9EBB9-3DB1-464B-8411-81488C3DC3B8}" type="datetimeFigureOut">
               <a:rPr lang="fr-FR" smtClean="0"/>
               <a:pPr/>
-              <a:t>30/11/2020</a:t>
+              <a:t>01/12/2020</a:t>
             </a:fld>
             <a:endParaRPr lang="fr-FR"/>
           </a:p>
@@ -644,7 +644,7 @@
             <a:fld id="{77F9EBB9-3DB1-464B-8411-81488C3DC3B8}" type="datetimeFigureOut">
               <a:rPr lang="fr-FR" smtClean="0"/>
               <a:pPr/>
-              <a:t>30/11/2020</a:t>
+              <a:t>01/12/2020</a:t>
             </a:fld>
             <a:endParaRPr lang="fr-FR"/>
           </a:p>
@@ -811,7 +811,7 @@
             <a:fld id="{77F9EBB9-3DB1-464B-8411-81488C3DC3B8}" type="datetimeFigureOut">
               <a:rPr lang="fr-FR" smtClean="0"/>
               <a:pPr/>
-              <a:t>30/11/2020</a:t>
+              <a:t>01/12/2020</a:t>
             </a:fld>
             <a:endParaRPr lang="fr-FR"/>
           </a:p>
@@ -1054,7 +1054,7 @@
             <a:fld id="{77F9EBB9-3DB1-464B-8411-81488C3DC3B8}" type="datetimeFigureOut">
               <a:rPr lang="fr-FR" smtClean="0"/>
               <a:pPr/>
-              <a:t>30/11/2020</a:t>
+              <a:t>01/12/2020</a:t>
             </a:fld>
             <a:endParaRPr lang="fr-FR"/>
           </a:p>
@@ -1339,7 +1339,7 @@
             <a:fld id="{77F9EBB9-3DB1-464B-8411-81488C3DC3B8}" type="datetimeFigureOut">
               <a:rPr lang="fr-FR" smtClean="0"/>
               <a:pPr/>
-              <a:t>30/11/2020</a:t>
+              <a:t>01/12/2020</a:t>
             </a:fld>
             <a:endParaRPr lang="fr-FR"/>
           </a:p>
@@ -1758,7 +1758,7 @@
             <a:fld id="{77F9EBB9-3DB1-464B-8411-81488C3DC3B8}" type="datetimeFigureOut">
               <a:rPr lang="fr-FR" smtClean="0"/>
               <a:pPr/>
-              <a:t>30/11/2020</a:t>
+              <a:t>01/12/2020</a:t>
             </a:fld>
             <a:endParaRPr lang="fr-FR"/>
           </a:p>
@@ -1873,7 +1873,7 @@
             <a:fld id="{77F9EBB9-3DB1-464B-8411-81488C3DC3B8}" type="datetimeFigureOut">
               <a:rPr lang="fr-FR" smtClean="0"/>
               <a:pPr/>
-              <a:t>30/11/2020</a:t>
+              <a:t>01/12/2020</a:t>
             </a:fld>
             <a:endParaRPr lang="fr-FR"/>
           </a:p>
@@ -1965,7 +1965,7 @@
             <a:fld id="{77F9EBB9-3DB1-464B-8411-81488C3DC3B8}" type="datetimeFigureOut">
               <a:rPr lang="fr-FR" smtClean="0"/>
               <a:pPr/>
-              <a:t>30/11/2020</a:t>
+              <a:t>01/12/2020</a:t>
             </a:fld>
             <a:endParaRPr lang="fr-FR"/>
           </a:p>
@@ -2239,7 +2239,7 @@
             <a:fld id="{77F9EBB9-3DB1-464B-8411-81488C3DC3B8}" type="datetimeFigureOut">
               <a:rPr lang="fr-FR" smtClean="0"/>
               <a:pPr/>
-              <a:t>30/11/2020</a:t>
+              <a:t>01/12/2020</a:t>
             </a:fld>
             <a:endParaRPr lang="fr-FR"/>
           </a:p>
@@ -2489,7 +2489,7 @@
             <a:fld id="{77F9EBB9-3DB1-464B-8411-81488C3DC3B8}" type="datetimeFigureOut">
               <a:rPr lang="fr-FR" smtClean="0"/>
               <a:pPr/>
-              <a:t>30/11/2020</a:t>
+              <a:t>01/12/2020</a:t>
             </a:fld>
             <a:endParaRPr lang="fr-FR"/>
           </a:p>
@@ -2714,7 +2714,7 @@
             <a:fld id="{77F9EBB9-3DB1-464B-8411-81488C3DC3B8}" type="datetimeFigureOut">
               <a:rPr lang="fr-FR" smtClean="0"/>
               <a:pPr/>
-              <a:t>30/11/2020</a:t>
+              <a:t>01/12/2020</a:t>
             </a:fld>
             <a:endParaRPr lang="fr-FR"/>
           </a:p>
@@ -3406,13 +3406,49 @@
               <a:buNone/>
             </a:pPr>
             <a:r>
-              <a:rPr lang="fr-FR" sz="4000" dirty="0" smtClean="0">
+              <a:rPr lang="fr-FR" sz="4000" b="1" dirty="0" smtClean="0">
                 <a:solidFill>
                   <a:srgbClr val="FF7F00"/>
                 </a:solidFill>
               </a:rPr>
-              <a:t>Contrôle du bon déroulement</a:t>
-            </a:r>
+              <a:t>Contrôle du bon </a:t>
+            </a:r>
+            <a:r>
+              <a:rPr lang="fr-FR" sz="4000" b="1" dirty="0" smtClean="0">
+                <a:solidFill>
+                  <a:srgbClr val="FF7F00"/>
+                </a:solidFill>
+              </a:rPr>
+              <a:t>déroulement</a:t>
+            </a:r>
+          </a:p>
+          <a:p>
+            <a:pPr algn="ctr">
+              <a:buNone/>
+            </a:pPr>
+            <a:endParaRPr lang="fr-FR" sz="4000" dirty="0" smtClean="0">
+              <a:solidFill>
+                <a:srgbClr val="FF7F00"/>
+              </a:solidFill>
+            </a:endParaRPr>
+          </a:p>
+          <a:p>
+            <a:pPr algn="ctr">
+              <a:buNone/>
+            </a:pPr>
+            <a:r>
+              <a:rPr lang="fr-FR" dirty="0" smtClean="0">
+                <a:solidFill>
+                  <a:srgbClr val="FF7F00"/>
+                </a:solidFill>
+              </a:rPr>
+              <a:t>Les différentes erreurs possibles et leur traitement</a:t>
+            </a:r>
+            <a:endParaRPr lang="fr-FR" dirty="0" smtClean="0">
+              <a:solidFill>
+                <a:srgbClr val="FF7F00"/>
+              </a:solidFill>
+            </a:endParaRPr>
           </a:p>
           <a:p>
             <a:pPr>
@@ -9159,11 +9195,6 @@
               </a:rPr>
               <a:t> </a:t>
             </a:r>
-            <a:endParaRPr lang="fr-FR" sz="2800" dirty="0" smtClean="0">
-              <a:solidFill>
-                <a:srgbClr val="FF7F00"/>
-              </a:solidFill>
-            </a:endParaRPr>
           </a:p>
           <a:p>
             <a:pPr algn="ctr">

--- a/Les tutoriels de la FFBA_page1.pptx
+++ b/Les tutoriels de la FFBA_page1.pptx
@@ -300,7 +300,7 @@
             <a:fld id="{77F9EBB9-3DB1-464B-8411-81488C3DC3B8}" type="datetimeFigureOut">
               <a:rPr lang="fr-FR" smtClean="0"/>
               <a:pPr/>
-              <a:t>01/12/2020</a:t>
+              <a:t>03/12/2020</a:t>
             </a:fld>
             <a:endParaRPr lang="fr-FR"/>
           </a:p>
@@ -467,7 +467,7 @@
             <a:fld id="{77F9EBB9-3DB1-464B-8411-81488C3DC3B8}" type="datetimeFigureOut">
               <a:rPr lang="fr-FR" smtClean="0"/>
               <a:pPr/>
-              <a:t>01/12/2020</a:t>
+              <a:t>03/12/2020</a:t>
             </a:fld>
             <a:endParaRPr lang="fr-FR"/>
           </a:p>
@@ -644,7 +644,7 @@
             <a:fld id="{77F9EBB9-3DB1-464B-8411-81488C3DC3B8}" type="datetimeFigureOut">
               <a:rPr lang="fr-FR" smtClean="0"/>
               <a:pPr/>
-              <a:t>01/12/2020</a:t>
+              <a:t>03/12/2020</a:t>
             </a:fld>
             <a:endParaRPr lang="fr-FR"/>
           </a:p>
@@ -811,7 +811,7 @@
             <a:fld id="{77F9EBB9-3DB1-464B-8411-81488C3DC3B8}" type="datetimeFigureOut">
               <a:rPr lang="fr-FR" smtClean="0"/>
               <a:pPr/>
-              <a:t>01/12/2020</a:t>
+              <a:t>03/12/2020</a:t>
             </a:fld>
             <a:endParaRPr lang="fr-FR"/>
           </a:p>
@@ -1054,7 +1054,7 @@
             <a:fld id="{77F9EBB9-3DB1-464B-8411-81488C3DC3B8}" type="datetimeFigureOut">
               <a:rPr lang="fr-FR" smtClean="0"/>
               <a:pPr/>
-              <a:t>01/12/2020</a:t>
+              <a:t>03/12/2020</a:t>
             </a:fld>
             <a:endParaRPr lang="fr-FR"/>
           </a:p>
@@ -1339,7 +1339,7 @@
             <a:fld id="{77F9EBB9-3DB1-464B-8411-81488C3DC3B8}" type="datetimeFigureOut">
               <a:rPr lang="fr-FR" smtClean="0"/>
               <a:pPr/>
-              <a:t>01/12/2020</a:t>
+              <a:t>03/12/2020</a:t>
             </a:fld>
             <a:endParaRPr lang="fr-FR"/>
           </a:p>
@@ -1758,7 +1758,7 @@
             <a:fld id="{77F9EBB9-3DB1-464B-8411-81488C3DC3B8}" type="datetimeFigureOut">
               <a:rPr lang="fr-FR" smtClean="0"/>
               <a:pPr/>
-              <a:t>01/12/2020</a:t>
+              <a:t>03/12/2020</a:t>
             </a:fld>
             <a:endParaRPr lang="fr-FR"/>
           </a:p>
@@ -1873,7 +1873,7 @@
             <a:fld id="{77F9EBB9-3DB1-464B-8411-81488C3DC3B8}" type="datetimeFigureOut">
               <a:rPr lang="fr-FR" smtClean="0"/>
               <a:pPr/>
-              <a:t>01/12/2020</a:t>
+              <a:t>03/12/2020</a:t>
             </a:fld>
             <a:endParaRPr lang="fr-FR"/>
           </a:p>
@@ -1965,7 +1965,7 @@
             <a:fld id="{77F9EBB9-3DB1-464B-8411-81488C3DC3B8}" type="datetimeFigureOut">
               <a:rPr lang="fr-FR" smtClean="0"/>
               <a:pPr/>
-              <a:t>01/12/2020</a:t>
+              <a:t>03/12/2020</a:t>
             </a:fld>
             <a:endParaRPr lang="fr-FR"/>
           </a:p>
@@ -2239,7 +2239,7 @@
             <a:fld id="{77F9EBB9-3DB1-464B-8411-81488C3DC3B8}" type="datetimeFigureOut">
               <a:rPr lang="fr-FR" smtClean="0"/>
               <a:pPr/>
-              <a:t>01/12/2020</a:t>
+              <a:t>03/12/2020</a:t>
             </a:fld>
             <a:endParaRPr lang="fr-FR"/>
           </a:p>
@@ -2489,7 +2489,7 @@
             <a:fld id="{77F9EBB9-3DB1-464B-8411-81488C3DC3B8}" type="datetimeFigureOut">
               <a:rPr lang="fr-FR" smtClean="0"/>
               <a:pPr/>
-              <a:t>01/12/2020</a:t>
+              <a:t>03/12/2020</a:t>
             </a:fld>
             <a:endParaRPr lang="fr-FR"/>
           </a:p>
@@ -2714,7 +2714,7 @@
             <a:fld id="{77F9EBB9-3DB1-464B-8411-81488C3DC3B8}" type="datetimeFigureOut">
               <a:rPr lang="fr-FR" smtClean="0"/>
               <a:pPr/>
-              <a:t>01/12/2020</a:t>
+              <a:t>03/12/2020</a:t>
             </a:fld>
             <a:endParaRPr lang="fr-FR"/>
           </a:p>
@@ -3411,15 +3411,7 @@
                   <a:srgbClr val="FF7F00"/>
                 </a:solidFill>
               </a:rPr>
-              <a:t>Contrôle du bon </a:t>
-            </a:r>
-            <a:r>
-              <a:rPr lang="fr-FR" sz="4000" b="1" dirty="0" smtClean="0">
-                <a:solidFill>
-                  <a:srgbClr val="FF7F00"/>
-                </a:solidFill>
-              </a:rPr>
-              <a:t>déroulement</a:t>
+              <a:t>Contrôle du bon déroulement</a:t>
             </a:r>
           </a:p>
           <a:p>
@@ -3444,11 +3436,6 @@
               </a:rPr>
               <a:t>Les différentes erreurs possibles et leur traitement</a:t>
             </a:r>
-            <a:endParaRPr lang="fr-FR" dirty="0" smtClean="0">
-              <a:solidFill>
-                <a:srgbClr val="FF7F00"/>
-              </a:solidFill>
-            </a:endParaRPr>
           </a:p>
           <a:p>
             <a:pPr>
@@ -8628,7 +8615,11 @@
             <a:pPr algn="l"/>
             <a:r>
               <a:rPr lang="fr-FR" sz="3600" dirty="0" smtClean="0"/>
-              <a:t>Plan de la cession</a:t>
+              <a:t>Plan de la </a:t>
+            </a:r>
+            <a:r>
+              <a:rPr lang="fr-FR" sz="3600" dirty="0" smtClean="0"/>
+              <a:t>session</a:t>
             </a:r>
             <a:endParaRPr lang="fr-FR" sz="3600" dirty="0"/>
           </a:p>
